--- a/materials/09_Conclusions/Conclusions.pptx
+++ b/materials/09_Conclusions/Conclusions.pptx
@@ -212,7 +212,7 @@
           <a:p>
             <a:fld id="{38C9FC9B-74B5-8E40-A9E6-386E1D7938B0}" type="datetimeFigureOut">
               <a:rPr lang="en-US" smtClean="0"/>
-              <a:t>11/27/23</a:t>
+              <a:t>11/12/24</a:t>
             </a:fld>
             <a:endParaRPr lang="en-US"/>
           </a:p>
@@ -1470,7 +1470,7 @@
           </a:ln>
           <a:extLst>
             <a:ext uri="{C572A759-6A51-4108-AA02-DFA0A04FC94B}">
-              <ma14:wrappingTextBoxFlag xmlns="" xmlns:ma14="http://schemas.microsoft.com/office/mac/drawingml/2011/main" val="1"/>
+              <ma14:wrappingTextBoxFlag xmlns:ma14="http://schemas.microsoft.com/office/mac/drawingml/2011/main" xmlns="" val="1"/>
             </a:ext>
           </a:extLst>
         </p:spPr>
@@ -1514,7 +1514,7 @@
           </a:ln>
           <a:extLst>
             <a:ext uri="{C572A759-6A51-4108-AA02-DFA0A04FC94B}">
-              <ma14:wrappingTextBoxFlag xmlns="" xmlns:ma14="http://schemas.microsoft.com/office/mac/drawingml/2011/main" val="1"/>
+              <ma14:wrappingTextBoxFlag xmlns:ma14="http://schemas.microsoft.com/office/mac/drawingml/2011/main" xmlns="" val="1"/>
             </a:ext>
           </a:extLst>
         </p:spPr>
@@ -2010,7 +2010,7 @@
           <a:p>
             <a:r>
               <a:rPr lang="en-US" dirty="0"/>
-              <a:t>Fall 2023</a:t>
+              <a:t>Fall 2024</a:t>
             </a:r>
           </a:p>
         </p:txBody>
@@ -2092,7 +2092,7 @@
         <p:spPr/>
         <p:txBody>
           <a:bodyPr>
-            <a:normAutofit fontScale="92500" lnSpcReduction="10000"/>
+            <a:normAutofit/>
           </a:bodyPr>
           <a:lstStyle/>
           <a:p>
@@ -2104,35 +2104,26 @@
           <a:p>
             <a:r>
               <a:rPr lang="en-US" dirty="0"/>
-              <a:t>Basic cryptography</a:t>
+              <a:t>Vulnerability modeling</a:t>
             </a:r>
           </a:p>
           <a:p>
             <a:r>
               <a:rPr lang="en-US" dirty="0"/>
-              <a:t>Vulnerability analysis of applications (source code)</a:t>
+              <a:t>Vulnerability analysis</a:t>
             </a:r>
           </a:p>
           <a:p>
             <a:r>
               <a:rPr lang="en-US" dirty="0"/>
-              <a:t>Vulnerability analysis of applications (binary code)</a:t>
+              <a:t>Static analysis</a:t>
             </a:r>
           </a:p>
           <a:p>
             <a:r>
               <a:rPr lang="en-US" dirty="0"/>
-              <a:t>Vulnerability analysis of web applications</a:t>
-            </a:r>
-          </a:p>
-          <a:p>
-            <a:r>
-              <a:rPr lang="en-US" dirty="0"/>
-              <a:t>Basic security issues of smart contracts</a:t>
-            </a:r>
-          </a:p>
-          <a:p>
-            <a:endParaRPr lang="en-US" dirty="0"/>
+              <a:t>Dynamic analysis</a:t>
+            </a:r>
           </a:p>
           <a:p>
             <a:r>
@@ -2144,15 +2135,6 @@
             <a:r>
               <a:rPr lang="en-US" dirty="0"/>
               <a:t>Project: Application of AI to vulnerability analysis</a:t>
-            </a:r>
-          </a:p>
-          <a:p>
-            <a:endParaRPr lang="en-US" dirty="0"/>
-          </a:p>
-          <a:p>
-            <a:r>
-              <a:rPr lang="en-US" dirty="0"/>
-              <a:t>Not covered: Vulnerability analysis of kernel and firmware</a:t>
             </a:r>
           </a:p>
         </p:txBody>
@@ -2682,7 +2664,7 @@
           <a:p>
             <a:r>
               <a:rPr lang="en-US" dirty="0"/>
-              <a:t>Lessons Learned</a:t>
+              <a:t>Suggestions?</a:t>
             </a:r>
           </a:p>
         </p:txBody>
@@ -2707,45 +2689,6 @@
         <p:txBody>
           <a:bodyPr/>
           <a:lstStyle/>
-          <a:p>
-            <a:r>
-              <a:rPr lang="en-US" dirty="0"/>
-              <a:t>Less time on crypto</a:t>
-            </a:r>
-          </a:p>
-          <a:p>
-            <a:r>
-              <a:rPr lang="en-US" dirty="0"/>
-              <a:t>More time on tooling</a:t>
-            </a:r>
-          </a:p>
-          <a:p>
-            <a:r>
-              <a:rPr lang="en-US" dirty="0"/>
-              <a:t>Cover kernel and firmware</a:t>
-            </a:r>
-          </a:p>
-          <a:p>
-            <a:r>
-              <a:rPr lang="en-US" dirty="0"/>
-              <a:t>Cover (more in depth) smart contracts</a:t>
-            </a:r>
-          </a:p>
-          <a:p>
-            <a:r>
-              <a:rPr lang="en-US" dirty="0"/>
-              <a:t>Give deadlines for challenges</a:t>
-            </a:r>
-          </a:p>
-          <a:p>
-            <a:endParaRPr lang="en-US" dirty="0"/>
-          </a:p>
-          <a:p>
-            <a:r>
-              <a:rPr lang="en-US" dirty="0"/>
-              <a:t>Suggestions?</a:t>
-            </a:r>
-          </a:p>
           <a:p>
             <a:endParaRPr lang="en-US" dirty="0"/>
           </a:p>
